--- a/doc/FinalPres.pptx
+++ b/doc/FinalPres.pptx
@@ -11,7 +11,8 @@
     <p:sldId id="262" r:id="rId5"/>
     <p:sldId id="258" r:id="rId6"/>
     <p:sldId id="260" r:id="rId7"/>
-    <p:sldId id="261" r:id="rId8"/>
+    <p:sldId id="264" r:id="rId8"/>
+    <p:sldId id="261" r:id="rId9"/>
   </p:sldIdLst>
   <p:sldSz cx="9144000" cy="6858000" type="screen4x3"/>
   <p:notesSz cx="6858000" cy="9144000"/>
@@ -6608,7 +6609,7 @@
           <a:p>
             <a:r>
               <a:rPr lang="en-US" dirty="0" smtClean="0"/>
-              <a:t>Test Drive Development (TDD)</a:t>
+              <a:t>Test Driven Development (TDD)</a:t>
             </a:r>
           </a:p>
           <a:p>
@@ -6929,6 +6930,79 @@
         </p:nvSpPr>
         <p:spPr/>
         <p:txBody>
+          <a:bodyPr>
+            <a:normAutofit/>
+          </a:bodyPr>
+          <a:lstStyle/>
+          <a:p>
+            <a:r>
+              <a:rPr lang="en-US" dirty="0" smtClean="0"/>
+              <a:t>Metrics</a:t>
+            </a:r>
+            <a:endParaRPr lang="en-US" dirty="0"/>
+          </a:p>
+        </p:txBody>
+      </p:sp>
+      <p:sp>
+        <p:nvSpPr>
+          <p:cNvPr id="3" name="Content Placeholder 2"/>
+          <p:cNvSpPr>
+            <a:spLocks noGrp="1"/>
+          </p:cNvSpPr>
+          <p:nvPr>
+            <p:ph idx="1"/>
+          </p:nvPr>
+        </p:nvSpPr>
+        <p:spPr/>
+        <p:txBody>
+          <a:bodyPr/>
+          <a:lstStyle/>
+          <a:p>
+            <a:r>
+              <a:rPr lang="en-US" dirty="0" smtClean="0"/>
+              <a:t>Stuff goes here.</a:t>
+            </a:r>
+            <a:endParaRPr lang="en-US" dirty="0"/>
+          </a:p>
+        </p:txBody>
+      </p:sp>
+    </p:spTree>
+  </p:cSld>
+  <p:clrMapOvr>
+    <a:masterClrMapping/>
+  </p:clrMapOvr>
+</p:sld>
+</file>
+
+<file path=ppt/slides/slide8.xml><?xml version="1.0" encoding="utf-8"?>
+<p:sld xmlns:a="http://schemas.openxmlformats.org/drawingml/2006/main" xmlns:r="http://schemas.openxmlformats.org/officeDocument/2006/relationships" xmlns:mc="http://schemas.openxmlformats.org/markup-compatibility/2006" xmlns:mv="urn:schemas-microsoft-com:mac:vml" xmlns:p="http://schemas.openxmlformats.org/presentationml/2006/main" mc:Ignorable="mv" mc:PreserveAttributes="mv:*">
+  <p:cSld>
+    <p:spTree>
+      <p:nvGrpSpPr>
+        <p:cNvPr id="1" name=""/>
+        <p:cNvGrpSpPr/>
+        <p:nvPr/>
+      </p:nvGrpSpPr>
+      <p:grpSpPr>
+        <a:xfrm>
+          <a:off x="0" y="0"/>
+          <a:ext cx="0" cy="0"/>
+          <a:chOff x="0" y="0"/>
+          <a:chExt cx="0" cy="0"/>
+        </a:xfrm>
+      </p:grpSpPr>
+      <p:sp>
+        <p:nvSpPr>
+          <p:cNvPr id="2" name="Title 1"/>
+          <p:cNvSpPr>
+            <a:spLocks noGrp="1"/>
+          </p:cNvSpPr>
+          <p:nvPr>
+            <p:ph type="title"/>
+          </p:nvPr>
+        </p:nvSpPr>
+        <p:spPr/>
+        <p:txBody>
           <a:bodyPr/>
           <a:lstStyle/>
           <a:p>
@@ -6953,7 +7027,7 @@
         <p:spPr/>
         <p:txBody>
           <a:bodyPr>
-            <a:normAutofit lnSpcReduction="10000"/>
+            <a:normAutofit/>
           </a:bodyPr>
           <a:lstStyle/>
           <a:p>
@@ -7003,21 +7077,9 @@
           </a:p>
           <a:p>
             <a:r>
-              <a:rPr lang="en-US" dirty="0" err="1" smtClean="0"/>
-              <a:t>Sriram</a:t>
-            </a:r>
-            <a:r>
               <a:rPr lang="en-US" dirty="0" smtClean="0"/>
-              <a:t> thinks all seniors don’t care</a:t>
-            </a:r>
-          </a:p>
-          <a:p>
-            <a:pPr lvl="1"/>
-            <a:r>
-              <a:rPr lang="en-US" dirty="0" smtClean="0"/>
-              <a:t>This is not true… we care a little</a:t>
-            </a:r>
-            <a:endParaRPr lang="en-US" dirty="0" smtClean="0"/>
+              <a:t>It’s interesting to have your client be your grader.	</a:t>
+            </a:r>
           </a:p>
         </p:txBody>
       </p:sp>
